--- a/ИНТЕРНЕТ-МАГАЗИН.pptx
+++ b/ИНТЕРНЕТ-МАГАЗИН.pptx
@@ -15,6 +15,9 @@
     <p:sldId id="263" r:id="rId9"/>
     <p:sldId id="264" r:id="rId10"/>
     <p:sldId id="265" r:id="rId11"/>
+    <p:sldId id="266" r:id="rId12"/>
+    <p:sldId id="267" r:id="rId13"/>
+    <p:sldId id="268" r:id="rId14"/>
   </p:sldIdLst>
   <p:sldSz cx="12192000" cy="6858000"/>
   <p:notesSz cx="6858000" cy="9144000"/>
@@ -113,6 +116,11 @@
       </a:defRPr>
     </a:lvl9pPr>
   </p:defaultTextStyle>
+  <p:extLst>
+    <p:ext uri="{EFAFB233-063F-42B5-8137-9DF3F51BA10A}">
+      <p15:sldGuideLst xmlns:p15="http://schemas.microsoft.com/office/powerpoint/2012/main"/>
+    </p:ext>
+  </p:extLst>
 </p:presentation>
 </file>
 
@@ -3366,35 +3374,302 @@
           </a:p>
         </p:txBody>
       </p:sp>
-      <p:sp>
-        <p:nvSpPr>
-          <p:cNvPr id="3" name="Объект 2">
+      <p:pic>
+        <p:nvPicPr>
+          <p:cNvPr id="4" name="Объект 3">
             <a:extLst>
               <a:ext uri="{FF2B5EF4-FFF2-40B4-BE49-F238E27FC236}">
-                <a16:creationId xmlns:a16="http://schemas.microsoft.com/office/drawing/2014/main" id="{EB6759D5-2583-4CBB-B65D-208152F7FF3E}"/>
+                <a16:creationId xmlns:a16="http://schemas.microsoft.com/office/drawing/2014/main" id="{F2E214DF-9592-478C-B41C-A64BCC60D944}"/>
               </a:ext>
             </a:extLst>
           </p:cNvPr>
-          <p:cNvSpPr>
-            <a:spLocks noGrp="1"/>
-          </p:cNvSpPr>
+          <p:cNvPicPr>
+            <a:picLocks noGrp="1" noChangeAspect="1"/>
+          </p:cNvPicPr>
           <p:nvPr>
             <p:ph idx="1"/>
           </p:nvPr>
-        </p:nvSpPr>
-        <p:spPr/>
-        <p:txBody>
-          <a:bodyPr/>
-          <a:lstStyle/>
-          <a:p>
-            <a:endParaRPr lang="ru-RU"/>
-          </a:p>
-        </p:txBody>
-      </p:sp>
+        </p:nvPicPr>
+        <p:blipFill>
+          <a:blip r:embed="rId2"/>
+          <a:stretch>
+            <a:fillRect/>
+          </a:stretch>
+        </p:blipFill>
+        <p:spPr>
+          <a:xfrm>
+            <a:off x="3350731" y="2411629"/>
+            <a:ext cx="5845027" cy="3747632"/>
+          </a:xfrm>
+          <a:prstGeom prst="rect">
+            <a:avLst/>
+          </a:prstGeom>
+        </p:spPr>
+      </p:pic>
     </p:spTree>
     <p:extLst>
       <p:ext uri="{BB962C8B-B14F-4D97-AF65-F5344CB8AC3E}">
         <p14:creationId xmlns:p14="http://schemas.microsoft.com/office/powerpoint/2010/main" val="3909550376"/>
+      </p:ext>
+    </p:extLst>
+  </p:cSld>
+  <p:clrMapOvr>
+    <a:masterClrMapping/>
+  </p:clrMapOvr>
+</p:sld>
+</file>
+
+<file path=ppt/slides/slide11.xml><?xml version="1.0" encoding="utf-8"?>
+<p:sld xmlns:a="http://schemas.openxmlformats.org/drawingml/2006/main" xmlns:r="http://schemas.openxmlformats.org/officeDocument/2006/relationships" xmlns:p="http://schemas.openxmlformats.org/presentationml/2006/main">
+  <p:cSld>
+    <p:spTree>
+      <p:nvGrpSpPr>
+        <p:cNvPr id="1" name=""/>
+        <p:cNvGrpSpPr/>
+        <p:nvPr/>
+      </p:nvGrpSpPr>
+      <p:grpSpPr>
+        <a:xfrm>
+          <a:off x="0" y="0"/>
+          <a:ext cx="0" cy="0"/>
+          <a:chOff x="0" y="0"/>
+          <a:chExt cx="0" cy="0"/>
+        </a:xfrm>
+      </p:grpSpPr>
+      <p:sp>
+        <p:nvSpPr>
+          <p:cNvPr id="2" name="Заголовок 1">
+            <a:extLst>
+              <a:ext uri="{FF2B5EF4-FFF2-40B4-BE49-F238E27FC236}">
+                <a16:creationId xmlns:a16="http://schemas.microsoft.com/office/drawing/2014/main" id="{C55B1570-FC23-4427-87AF-172635584921}"/>
+              </a:ext>
+            </a:extLst>
+          </p:cNvPr>
+          <p:cNvSpPr>
+            <a:spLocks noGrp="1"/>
+          </p:cNvSpPr>
+          <p:nvPr>
+            <p:ph type="title"/>
+          </p:nvPr>
+        </p:nvSpPr>
+        <p:spPr/>
+        <p:txBody>
+          <a:bodyPr/>
+          <a:lstStyle/>
+          <a:p>
+            <a:r>
+              <a:rPr lang="ru-RU" dirty="0"/>
+              <a:t>Страница аутентификации для администратора</a:t>
+            </a:r>
+          </a:p>
+        </p:txBody>
+      </p:sp>
+      <p:pic>
+        <p:nvPicPr>
+          <p:cNvPr id="5" name="Объект 4">
+            <a:extLst>
+              <a:ext uri="{FF2B5EF4-FFF2-40B4-BE49-F238E27FC236}">
+                <a16:creationId xmlns:a16="http://schemas.microsoft.com/office/drawing/2014/main" id="{5BB86A49-3EE3-4020-935C-C72DE8317010}"/>
+              </a:ext>
+            </a:extLst>
+          </p:cNvPr>
+          <p:cNvPicPr>
+            <a:picLocks noGrp="1" noChangeAspect="1"/>
+          </p:cNvPicPr>
+          <p:nvPr>
+            <p:ph idx="1"/>
+          </p:nvPr>
+        </p:nvPicPr>
+        <p:blipFill>
+          <a:blip r:embed="rId2"/>
+          <a:stretch>
+            <a:fillRect/>
+          </a:stretch>
+        </p:blipFill>
+        <p:spPr>
+          <a:xfrm>
+            <a:off x="3269412" y="2319248"/>
+            <a:ext cx="6159698" cy="4234162"/>
+          </a:xfrm>
+          <a:prstGeom prst="rect">
+            <a:avLst/>
+          </a:prstGeom>
+        </p:spPr>
+      </p:pic>
+    </p:spTree>
+    <p:extLst>
+      <p:ext uri="{BB962C8B-B14F-4D97-AF65-F5344CB8AC3E}">
+        <p14:creationId xmlns:p14="http://schemas.microsoft.com/office/powerpoint/2010/main" val="2288794171"/>
+      </p:ext>
+    </p:extLst>
+  </p:cSld>
+  <p:clrMapOvr>
+    <a:masterClrMapping/>
+  </p:clrMapOvr>
+</p:sld>
+</file>
+
+<file path=ppt/slides/slide12.xml><?xml version="1.0" encoding="utf-8"?>
+<p:sld xmlns:a="http://schemas.openxmlformats.org/drawingml/2006/main" xmlns:r="http://schemas.openxmlformats.org/officeDocument/2006/relationships" xmlns:p="http://schemas.openxmlformats.org/presentationml/2006/main">
+  <p:cSld>
+    <p:spTree>
+      <p:nvGrpSpPr>
+        <p:cNvPr id="1" name=""/>
+        <p:cNvGrpSpPr/>
+        <p:nvPr/>
+      </p:nvGrpSpPr>
+      <p:grpSpPr>
+        <a:xfrm>
+          <a:off x="0" y="0"/>
+          <a:ext cx="0" cy="0"/>
+          <a:chOff x="0" y="0"/>
+          <a:chExt cx="0" cy="0"/>
+        </a:xfrm>
+      </p:grpSpPr>
+      <p:sp>
+        <p:nvSpPr>
+          <p:cNvPr id="2" name="Заголовок 1">
+            <a:extLst>
+              <a:ext uri="{FF2B5EF4-FFF2-40B4-BE49-F238E27FC236}">
+                <a16:creationId xmlns:a16="http://schemas.microsoft.com/office/drawing/2014/main" id="{BFA3A6C9-623C-47F4-9B72-40DC1DFCE45F}"/>
+              </a:ext>
+            </a:extLst>
+          </p:cNvPr>
+          <p:cNvSpPr>
+            <a:spLocks noGrp="1"/>
+          </p:cNvSpPr>
+          <p:nvPr>
+            <p:ph type="title"/>
+          </p:nvPr>
+        </p:nvSpPr>
+        <p:spPr/>
+        <p:txBody>
+          <a:bodyPr/>
+          <a:lstStyle/>
+          <a:p>
+            <a:r>
+              <a:rPr lang="ru-RU" dirty="0"/>
+              <a:t>СТРАНИЦА АДМИНИСТРАТОРА</a:t>
+            </a:r>
+          </a:p>
+        </p:txBody>
+      </p:sp>
+      <p:pic>
+        <p:nvPicPr>
+          <p:cNvPr id="7" name="Объект 6">
+            <a:extLst>
+              <a:ext uri="{FF2B5EF4-FFF2-40B4-BE49-F238E27FC236}">
+                <a16:creationId xmlns:a16="http://schemas.microsoft.com/office/drawing/2014/main" id="{E3B677B7-F0C7-43CF-94B6-150B4D6B7F90}"/>
+              </a:ext>
+            </a:extLst>
+          </p:cNvPr>
+          <p:cNvPicPr>
+            <a:picLocks noGrp="1" noChangeAspect="1"/>
+          </p:cNvPicPr>
+          <p:nvPr>
+            <p:ph idx="1"/>
+          </p:nvPr>
+        </p:nvPicPr>
+        <p:blipFill>
+          <a:blip r:embed="rId2"/>
+          <a:stretch>
+            <a:fillRect/>
+          </a:stretch>
+        </p:blipFill>
+        <p:spPr>
+          <a:xfrm>
+            <a:off x="3736405" y="2286000"/>
+            <a:ext cx="4719190" cy="4028536"/>
+          </a:xfrm>
+          <a:prstGeom prst="rect">
+            <a:avLst/>
+          </a:prstGeom>
+        </p:spPr>
+      </p:pic>
+    </p:spTree>
+    <p:extLst>
+      <p:ext uri="{BB962C8B-B14F-4D97-AF65-F5344CB8AC3E}">
+        <p14:creationId xmlns:p14="http://schemas.microsoft.com/office/powerpoint/2010/main" val="1921545963"/>
+      </p:ext>
+    </p:extLst>
+  </p:cSld>
+  <p:clrMapOvr>
+    <a:masterClrMapping/>
+  </p:clrMapOvr>
+</p:sld>
+</file>
+
+<file path=ppt/slides/slide13.xml><?xml version="1.0" encoding="utf-8"?>
+<p:sld xmlns:a="http://schemas.openxmlformats.org/drawingml/2006/main" xmlns:r="http://schemas.openxmlformats.org/officeDocument/2006/relationships" xmlns:p="http://schemas.openxmlformats.org/presentationml/2006/main">
+  <p:cSld>
+    <p:spTree>
+      <p:nvGrpSpPr>
+        <p:cNvPr id="1" name=""/>
+        <p:cNvGrpSpPr/>
+        <p:nvPr/>
+      </p:nvGrpSpPr>
+      <p:grpSpPr>
+        <a:xfrm>
+          <a:off x="0" y="0"/>
+          <a:ext cx="0" cy="0"/>
+          <a:chOff x="0" y="0"/>
+          <a:chExt cx="0" cy="0"/>
+        </a:xfrm>
+      </p:grpSpPr>
+      <p:sp>
+        <p:nvSpPr>
+          <p:cNvPr id="2" name="Заголовок 1">
+            <a:extLst>
+              <a:ext uri="{FF2B5EF4-FFF2-40B4-BE49-F238E27FC236}">
+                <a16:creationId xmlns:a16="http://schemas.microsoft.com/office/drawing/2014/main" id="{10814F32-9DBC-4BD0-A6B7-5F8F230C4996}"/>
+              </a:ext>
+            </a:extLst>
+          </p:cNvPr>
+          <p:cNvSpPr>
+            <a:spLocks noGrp="1"/>
+          </p:cNvSpPr>
+          <p:nvPr>
+            <p:ph type="title"/>
+          </p:nvPr>
+        </p:nvSpPr>
+        <p:spPr/>
+        <p:txBody>
+          <a:bodyPr/>
+          <a:lstStyle/>
+          <a:p>
+            <a:endParaRPr lang="ru-RU"/>
+          </a:p>
+        </p:txBody>
+      </p:sp>
+      <p:sp>
+        <p:nvSpPr>
+          <p:cNvPr id="3" name="Объект 2">
+            <a:extLst>
+              <a:ext uri="{FF2B5EF4-FFF2-40B4-BE49-F238E27FC236}">
+                <a16:creationId xmlns:a16="http://schemas.microsoft.com/office/drawing/2014/main" id="{7B28DDC9-CEE9-4D77-8F93-6C8AA3AF124D}"/>
+              </a:ext>
+            </a:extLst>
+          </p:cNvPr>
+          <p:cNvSpPr>
+            <a:spLocks noGrp="1"/>
+          </p:cNvSpPr>
+          <p:nvPr>
+            <p:ph idx="1"/>
+          </p:nvPr>
+        </p:nvSpPr>
+        <p:spPr/>
+        <p:txBody>
+          <a:bodyPr/>
+          <a:lstStyle/>
+          <a:p>
+            <a:endParaRPr lang="ru-RU"/>
+          </a:p>
+        </p:txBody>
+      </p:sp>
+    </p:spTree>
+    <p:extLst>
+      <p:ext uri="{BB962C8B-B14F-4D97-AF65-F5344CB8AC3E}">
+        <p14:creationId xmlns:p14="http://schemas.microsoft.com/office/powerpoint/2010/main" val="4001330149"/>
       </p:ext>
     </p:extLst>
   </p:cSld>
@@ -3692,14 +3967,14 @@
             <p:ph idx="1"/>
             <p:extLst>
               <p:ext uri="{D42A27DB-BD31-4B8C-83A1-F6EECF244321}">
-                <p14:modId xmlns:p14="http://schemas.microsoft.com/office/powerpoint/2010/main" val="2482570036"/>
+                <p14:modId xmlns:p14="http://schemas.microsoft.com/office/powerpoint/2010/main" val="2258947968"/>
               </p:ext>
             </p:extLst>
           </p:nvPr>
         </p:nvGraphicFramePr>
         <p:xfrm>
-          <a:off x="6737230" y="2638043"/>
-          <a:ext cx="3562710" cy="3805572"/>
+          <a:off x="6737230" y="2363639"/>
+          <a:ext cx="3692106" cy="4079975"/>
         </p:xfrm>
         <a:graphic>
           <a:graphicData uri="http://schemas.openxmlformats.org/drawingml/2006/table">
@@ -3708,14 +3983,14 @@
                 <a:tableStyleId>{5C22544A-7EE6-4342-B048-85BDC9FD1C3A}</a:tableStyleId>
               </a:tblPr>
               <a:tblGrid>
-                <a:gridCol w="1781355">
+                <a:gridCol w="1846053">
                   <a:extLst>
                     <a:ext uri="{9D8B030D-6E8A-4147-A177-3AD203B41FA5}">
                       <a16:colId xmlns:a16="http://schemas.microsoft.com/office/drawing/2014/main" val="2302944586"/>
                     </a:ext>
                   </a:extLst>
                 </a:gridCol>
-                <a:gridCol w="1781355">
+                <a:gridCol w="1846053">
                   <a:extLst>
                     <a:ext uri="{9D8B030D-6E8A-4147-A177-3AD203B41FA5}">
                       <a16:colId xmlns:a16="http://schemas.microsoft.com/office/drawing/2014/main" val="2411431615"/>
@@ -3723,7 +3998,7 @@
                   </a:extLst>
                 </a:gridCol>
               </a:tblGrid>
-              <a:tr h="168292">
+              <a:tr h="180427">
                 <a:tc>
                   <a:txBody>
                     <a:bodyPr/>
@@ -3786,7 +4061,7 @@
                   </a:ext>
                 </a:extLst>
               </a:tr>
-              <a:tr h="704647">
+              <a:tr h="777595">
                 <a:tc>
                   <a:txBody>
                     <a:bodyPr/>
@@ -3849,7 +4124,7 @@
                   </a:ext>
                 </a:extLst>
               </a:tr>
-              <a:tr h="883433">
+              <a:tr h="974887">
                 <a:tc>
                   <a:txBody>
                     <a:bodyPr/>
@@ -3912,7 +4187,7 @@
                   </a:ext>
                 </a:extLst>
               </a:tr>
-              <a:tr h="883433">
+              <a:tr h="974887">
                 <a:tc>
                   <a:txBody>
                     <a:bodyPr/>
@@ -3981,7 +4256,7 @@
                   </a:ext>
                 </a:extLst>
               </a:tr>
-              <a:tr h="1045314">
+              <a:tr h="1172179">
                 <a:tc>
                   <a:txBody>
                     <a:bodyPr/>
@@ -4070,8 +4345,8 @@
         </p:blipFill>
         <p:spPr>
           <a:xfrm>
-            <a:off x="2231136" y="2638043"/>
-            <a:ext cx="4053734" cy="3685119"/>
+            <a:off x="1929283" y="2363639"/>
+            <a:ext cx="4355587" cy="3959524"/>
           </a:xfrm>
           <a:prstGeom prst="rect">
             <a:avLst/>
